--- a/Dokumente/Präsentation/Probe IPA.pptx
+++ b/Dokumente/Präsentation/Probe IPA.pptx
@@ -122,6 +122,35 @@
     </p:ext>
   </p:extLst>
 </p:presentation>
+</file>
+
+<file path=ppt/changesInfos/changesInfo1.xml><?xml version="1.0" encoding="utf-8"?>
+<pc:chgInfo xmlns:a="http://schemas.openxmlformats.org/drawingml/2006/main" xmlns:r="http://schemas.openxmlformats.org/officeDocument/2006/relationships" xmlns:ac="http://schemas.microsoft.com/office/drawing/2013/main/command" xmlns:pc="http://schemas.microsoft.com/office/powerpoint/2013/main/command">
+  <pc:docChgLst>
+    <pc:chgData name="timon kindler" userId="e5a08b38656cc793" providerId="LiveId" clId="{8EF10A76-3327-42D8-BFC8-0F63BDA649CF}"/>
+    <pc:docChg chg="modSld">
+      <pc:chgData name="timon kindler" userId="e5a08b38656cc793" providerId="LiveId" clId="{8EF10A76-3327-42D8-BFC8-0F63BDA649CF}" dt="2021-03-01T19:26:29.714" v="17" actId="20577"/>
+      <pc:docMkLst>
+        <pc:docMk/>
+      </pc:docMkLst>
+      <pc:sldChg chg="modSp mod">
+        <pc:chgData name="timon kindler" userId="e5a08b38656cc793" providerId="LiveId" clId="{8EF10A76-3327-42D8-BFC8-0F63BDA649CF}" dt="2021-03-01T19:26:29.714" v="17" actId="20577"/>
+        <pc:sldMkLst>
+          <pc:docMk/>
+          <pc:sldMk cId="2276898735" sldId="257"/>
+        </pc:sldMkLst>
+        <pc:spChg chg="mod">
+          <ac:chgData name="timon kindler" userId="e5a08b38656cc793" providerId="LiveId" clId="{8EF10A76-3327-42D8-BFC8-0F63BDA649CF}" dt="2021-03-01T19:26:29.714" v="17" actId="20577"/>
+          <ac:spMkLst>
+            <pc:docMk/>
+            <pc:sldMk cId="2276898735" sldId="257"/>
+            <ac:spMk id="17" creationId="{8E7591AD-81F4-2E45-AE36-F4DA40C19031}"/>
+          </ac:spMkLst>
+        </pc:spChg>
+      </pc:sldChg>
+    </pc:docChg>
+  </pc:docChgLst>
+</pc:chgInfo>
 </file>
 
 <file path=ppt/handoutMasters/handoutMaster1.xml><?xml version="1.0" encoding="utf-8"?>
@@ -6703,7 +6732,7 @@
             <a:pPr rtl="0"/>
             <a:r>
               <a:rPr lang="de-DE" sz="2400" dirty="0"/>
-              <a:t>Die Ziele während der Entwicklung</a:t>
+              <a:t>Ziel der Anwendung</a:t>
             </a:r>
           </a:p>
           <a:p>
